--- a/unix/유닉스 이론 강의자료/CH08_IPC2.pptx
+++ b/unix/유닉스 이론 강의자료/CH08_IPC2.pptx
@@ -349,7 +349,7 @@
               <a:pPr>
                 <a:defRPr/>
               </a:pPr>
-              <a:t>2018-09-03</a:t>
+              <a:t>2019-12-09</a:t>
             </a:fld>
             <a:endParaRPr lang="en-US" altLang="ko-KR"/>
           </a:p>
@@ -866,6 +866,96 @@
         </p:nvSpPr>
         <p:spPr/>
         <p:txBody>
+          <a:bodyPr/>
+          <a:lstStyle/>
+          <a:p>
+            <a:endParaRPr lang="ko-KR" altLang="en-US" dirty="0"/>
+          </a:p>
+        </p:txBody>
+      </p:sp>
+      <p:sp>
+        <p:nvSpPr>
+          <p:cNvPr id="4" name="슬라이드 번호 개체 틀 3"/>
+          <p:cNvSpPr>
+            <a:spLocks noGrp="1"/>
+          </p:cNvSpPr>
+          <p:nvPr>
+            <p:ph type="sldNum" sz="quarter" idx="5"/>
+          </p:nvPr>
+        </p:nvSpPr>
+        <p:spPr/>
+        <p:txBody>
+          <a:bodyPr/>
+          <a:lstStyle/>
+          <a:p>
+            <a:pPr>
+              <a:defRPr/>
+            </a:pPr>
+            <a:fld id="{C62A2CF8-1804-49B8-BCB3-5ADC3CFFD8DB}" type="slidenum">
+              <a:rPr lang="ko-KR" altLang="en-US" smtClean="0"/>
+              <a:pPr>
+                <a:defRPr/>
+              </a:pPr>
+              <a:t>29</a:t>
+            </a:fld>
+            <a:endParaRPr lang="en-US" altLang="ko-KR"/>
+          </a:p>
+        </p:txBody>
+      </p:sp>
+    </p:spTree>
+    <p:extLst>
+      <p:ext uri="{BB962C8B-B14F-4D97-AF65-F5344CB8AC3E}">
+        <p14:creationId xmlns:p14="http://schemas.microsoft.com/office/powerpoint/2010/main" val="483480168"/>
+      </p:ext>
+    </p:extLst>
+  </p:cSld>
+  <p:clrMapOvr>
+    <a:masterClrMapping/>
+  </p:clrMapOvr>
+</p:notes>
+</file>
+
+<file path=ppt/notesSlides/notesSlide11.xml><?xml version="1.0" encoding="utf-8"?>
+<p:notes xmlns:a="http://schemas.openxmlformats.org/drawingml/2006/main" xmlns:r="http://schemas.openxmlformats.org/officeDocument/2006/relationships" xmlns:p="http://schemas.openxmlformats.org/presentationml/2006/main">
+  <p:cSld>
+    <p:spTree>
+      <p:nvGrpSpPr>
+        <p:cNvPr id="1" name=""/>
+        <p:cNvGrpSpPr/>
+        <p:nvPr/>
+      </p:nvGrpSpPr>
+      <p:grpSpPr>
+        <a:xfrm>
+          <a:off x="0" y="0"/>
+          <a:ext cx="0" cy="0"/>
+          <a:chOff x="0" y="0"/>
+          <a:chExt cx="0" cy="0"/>
+        </a:xfrm>
+      </p:grpSpPr>
+      <p:sp>
+        <p:nvSpPr>
+          <p:cNvPr id="2" name="슬라이드 이미지 개체 틀 1"/>
+          <p:cNvSpPr>
+            <a:spLocks noGrp="1" noRot="1" noChangeAspect="1"/>
+          </p:cNvSpPr>
+          <p:nvPr>
+            <p:ph type="sldImg"/>
+          </p:nvPr>
+        </p:nvSpPr>
+        <p:spPr/>
+      </p:sp>
+      <p:sp>
+        <p:nvSpPr>
+          <p:cNvPr id="3" name="슬라이드 노트 개체 틀 2"/>
+          <p:cNvSpPr>
+            <a:spLocks noGrp="1"/>
+          </p:cNvSpPr>
+          <p:nvPr>
+            <p:ph type="body" idx="1"/>
+          </p:nvPr>
+        </p:nvSpPr>
+        <p:spPr/>
+        <p:txBody>
           <a:bodyPr>
             <a:normAutofit/>
           </a:bodyPr>
@@ -2745,7 +2835,7 @@
               <a:pPr>
                 <a:defRPr/>
               </a:pPr>
-              <a:t>2018-09-03</a:t>
+              <a:t>2019-12-09</a:t>
             </a:fld>
             <a:endParaRPr lang="en-US" altLang="ko-KR"/>
           </a:p>
@@ -25414,7 +25504,7 @@
           <a:lstStyle/>
           <a:p>
             <a:r>
-              <a:rPr lang="en-US" altLang="ko-KR">
+              <a:rPr lang="en-US" altLang="ko-KR" dirty="0">
                 <a:latin typeface="Arial" charset="0"/>
                 <a:cs typeface="Arial" charset="0"/>
               </a:rPr>
@@ -25422,14 +25512,14 @@
             </a:r>
           </a:p>
           <a:p>
-            <a:endParaRPr lang="en-US" altLang="ko-KR">
+            <a:endParaRPr lang="en-US" altLang="ko-KR" dirty="0">
               <a:latin typeface="Arial" charset="0"/>
               <a:cs typeface="Arial" charset="0"/>
             </a:endParaRPr>
           </a:p>
           <a:p>
             <a:r>
-              <a:rPr lang="en-US" altLang="ko-KR">
+              <a:rPr lang="en-US" altLang="ko-KR" dirty="0">
                 <a:latin typeface="Arial" charset="0"/>
                 <a:cs typeface="Arial" charset="0"/>
               </a:rPr>
@@ -25437,14 +25527,14 @@
             </a:r>
           </a:p>
           <a:p>
-            <a:endParaRPr lang="en-US" altLang="ko-KR">
+            <a:endParaRPr lang="en-US" altLang="ko-KR" dirty="0">
               <a:latin typeface="Arial" charset="0"/>
               <a:cs typeface="Arial" charset="0"/>
             </a:endParaRPr>
           </a:p>
           <a:p>
             <a:r>
-              <a:rPr lang="en-US" altLang="ko-KR">
+              <a:rPr lang="en-US" altLang="ko-KR" dirty="0">
                 <a:latin typeface="Arial" charset="0"/>
                 <a:cs typeface="Arial" charset="0"/>
               </a:rPr>
@@ -25454,10 +25544,10 @@
           <a:p>
             <a:pPr lvl="1"/>
             <a:r>
-              <a:rPr lang="en-US" altLang="ko-KR"/>
+              <a:rPr lang="en-US" altLang="ko-KR" dirty="0"/>
               <a:t>Often, semaphores are used to synchronize shared memory access.</a:t>
             </a:r>
-            <a:endParaRPr lang="ko-KR" altLang="en-US"/>
+            <a:endParaRPr lang="ko-KR" altLang="en-US" dirty="0"/>
           </a:p>
         </p:txBody>
       </p:sp>
